--- a/Binary serialization.pptx
+++ b/Binary serialization.pptx
@@ -391,7 +391,7 @@
             <a:fld id="{C3A5BAB4-6959-41C8-A5DE-DB180C288763}" type="datetimeFigureOut">
               <a:rPr lang="en-US" smtClean="0"/>
               <a:pPr/>
-              <a:t>3/11/2014</a:t>
+              <a:t>4/19/2019</a:t>
             </a:fld>
             <a:endParaRPr lang="en-US"/>
           </a:p>
@@ -595,7 +595,7 @@
             <a:fld id="{C3A5BAB4-6959-41C8-A5DE-DB180C288763}" type="datetimeFigureOut">
               <a:rPr lang="en-US" smtClean="0"/>
               <a:pPr/>
-              <a:t>3/11/2014</a:t>
+              <a:t>4/19/2019</a:t>
             </a:fld>
             <a:endParaRPr lang="en-US"/>
           </a:p>
@@ -790,7 +790,7 @@
             <a:fld id="{C3A5BAB4-6959-41C8-A5DE-DB180C288763}" type="datetimeFigureOut">
               <a:rPr lang="en-US" smtClean="0"/>
               <a:pPr/>
-              <a:t>3/11/2014</a:t>
+              <a:t>4/19/2019</a:t>
             </a:fld>
             <a:endParaRPr lang="en-US"/>
           </a:p>
@@ -987,7 +987,7 @@
             <a:fld id="{C3A5BAB4-6959-41C8-A5DE-DB180C288763}" type="datetimeFigureOut">
               <a:rPr lang="en-US" smtClean="0"/>
               <a:pPr/>
-              <a:t>3/11/2014</a:t>
+              <a:t>4/19/2019</a:t>
             </a:fld>
             <a:endParaRPr lang="en-US"/>
           </a:p>
@@ -1218,7 +1218,7 @@
             <a:fld id="{C3A5BAB4-6959-41C8-A5DE-DB180C288763}" type="datetimeFigureOut">
               <a:rPr lang="en-US" smtClean="0"/>
               <a:pPr/>
-              <a:t>3/11/2014</a:t>
+              <a:t>4/19/2019</a:t>
             </a:fld>
             <a:endParaRPr lang="en-US"/>
           </a:p>
@@ -1514,7 +1514,7 @@
             <a:fld id="{C3A5BAB4-6959-41C8-A5DE-DB180C288763}" type="datetimeFigureOut">
               <a:rPr lang="en-US" smtClean="0"/>
               <a:pPr/>
-              <a:t>3/11/2014</a:t>
+              <a:t>4/19/2019</a:t>
             </a:fld>
             <a:endParaRPr lang="en-US"/>
           </a:p>
@@ -1950,7 +1950,7 @@
             <a:fld id="{C3A5BAB4-6959-41C8-A5DE-DB180C288763}" type="datetimeFigureOut">
               <a:rPr lang="en-US" smtClean="0"/>
               <a:pPr/>
-              <a:t>3/11/2014</a:t>
+              <a:t>4/19/2019</a:t>
             </a:fld>
             <a:endParaRPr lang="en-US"/>
           </a:p>
@@ -2081,7 +2081,7 @@
             <a:fld id="{C3A5BAB4-6959-41C8-A5DE-DB180C288763}" type="datetimeFigureOut">
               <a:rPr lang="en-US" smtClean="0"/>
               <a:pPr/>
-              <a:t>3/11/2014</a:t>
+              <a:t>4/19/2019</a:t>
             </a:fld>
             <a:endParaRPr lang="en-US"/>
           </a:p>
@@ -2189,7 +2189,7 @@
             <a:fld id="{C3A5BAB4-6959-41C8-A5DE-DB180C288763}" type="datetimeFigureOut">
               <a:rPr lang="en-US" smtClean="0"/>
               <a:pPr/>
-              <a:t>3/11/2014</a:t>
+              <a:t>4/19/2019</a:t>
             </a:fld>
             <a:endParaRPr lang="en-US"/>
           </a:p>
@@ -2463,7 +2463,7 @@
             <a:fld id="{C3A5BAB4-6959-41C8-A5DE-DB180C288763}" type="datetimeFigureOut">
               <a:rPr lang="en-US" smtClean="0"/>
               <a:pPr/>
-              <a:t>3/11/2014</a:t>
+              <a:t>4/19/2019</a:t>
             </a:fld>
             <a:endParaRPr lang="en-US"/>
           </a:p>
@@ -2832,7 +2832,7 @@
             <a:fld id="{C3A5BAB4-6959-41C8-A5DE-DB180C288763}" type="datetimeFigureOut">
               <a:rPr lang="en-US" smtClean="0"/>
               <a:pPr/>
-              <a:t>3/11/2014</a:t>
+              <a:t>4/19/2019</a:t>
             </a:fld>
             <a:endParaRPr lang="en-US"/>
           </a:p>
@@ -3192,7 +3192,7 @@
             <a:fld id="{C3A5BAB4-6959-41C8-A5DE-DB180C288763}" type="datetimeFigureOut">
               <a:rPr lang="en-US" smtClean="0"/>
               <a:pPr/>
-              <a:t>3/11/2014</a:t>
+              <a:t>4/19/2019</a:t>
             </a:fld>
             <a:endParaRPr lang="en-US"/>
           </a:p>
@@ -3673,7 +3673,7 @@
       </p:sp>
       <p:sp>
         <p:nvSpPr>
-          <p:cNvPr id="3" name="Subtitle 2"/>
+          <p:cNvPr id="4" name="Subtitle 3"/>
           <p:cNvSpPr>
             <a:spLocks noGrp="1"/>
           </p:cNvSpPr>
@@ -3686,11 +3686,7 @@
           <a:bodyPr/>
           <a:lstStyle/>
           <a:p>
-            <a:r>
-              <a:rPr lang="en-US" dirty="0" smtClean="0"/>
-              <a:t>	SRAVANI</a:t>
-            </a:r>
-            <a:endParaRPr lang="en-US" dirty="0"/>
+            <a:endParaRPr lang="en-IN"/>
           </a:p>
         </p:txBody>
       </p:sp>
